--- a/slides/Workshop-Cheat-Sheet.pptx
+++ b/slides/Workshop-Cheat-Sheet.pptx
@@ -3096,8 +3096,8 @@
         </p:nvSpPr>
         <p:spPr>
           <a:xfrm>
-            <a:off x="477423" y="186610"/>
-            <a:ext cx="6606540" cy="481606"/>
+            <a:off x="321636" y="132423"/>
+            <a:ext cx="5151217" cy="481606"/>
           </a:xfrm>
         </p:spPr>
         <p:txBody>
@@ -3128,7 +3128,7 @@
         <p:spPr>
           <a:xfrm>
             <a:off x="207797" y="789367"/>
-            <a:ext cx="3957803" cy="2400874"/>
+            <a:ext cx="3957803" cy="2326366"/>
           </a:xfrm>
           <a:prstGeom prst="roundRect">
             <a:avLst>
@@ -3240,7 +3240,7 @@
         </p:nvSpPr>
         <p:spPr>
           <a:xfrm>
-            <a:off x="301487" y="980200"/>
+            <a:off x="274394" y="939560"/>
             <a:ext cx="3809926" cy="2123658"/>
           </a:xfrm>
           <a:prstGeom prst="rect">
@@ -3257,7 +3257,9 @@
             <a:r>
               <a:rPr lang="en-US" sz="1200" dirty="0">
                 <a:solidFill>
-                  <a:schemeClr val="tx1"/>
+                  <a:schemeClr val="bg1">
+                    <a:lumMod val="50000"/>
+                  </a:schemeClr>
                 </a:solidFill>
               </a:rPr>
               <a:t>$ mkdir ~/projects</a:t>
@@ -3267,7 +3269,9 @@
             <a:r>
               <a:rPr lang="en-US" sz="1200" dirty="0">
                 <a:solidFill>
-                  <a:schemeClr val="tx1"/>
+                  <a:schemeClr val="bg1">
+                    <a:lumMod val="50000"/>
+                  </a:schemeClr>
                 </a:solidFill>
               </a:rPr>
               <a:t>$ cd projects</a:t>
@@ -3275,25 +3279,25 @@
           </a:p>
           <a:p>
             <a:r>
-              <a:rPr lang="en-US" sz="1200" dirty="0"/>
-              <a:t>$ </a:t>
-            </a:r>
-            <a:r>
               <a:rPr lang="en-US" sz="1200" dirty="0">
                 <a:solidFill>
-                  <a:schemeClr val="tx1"/>
-                </a:solidFill>
-              </a:rPr>
-              <a:t>git </a:t>
-            </a:r>
-            <a:r>
-              <a:rPr lang="en-US" sz="1200" dirty="0"/>
-              <a:t>clone https://github.com/dmccreary/claude-skills</a:t>
-            </a:r>
-          </a:p>
-          <a:p>
-            <a:r>
-              <a:rPr lang="en-US" sz="1200" dirty="0"/>
+                  <a:schemeClr val="bg1">
+                    <a:lumMod val="50000"/>
+                  </a:schemeClr>
+                </a:solidFill>
+              </a:rPr>
+              <a:t>$ git clone https://github.com/dmccreary/claude-skills</a:t>
+            </a:r>
+          </a:p>
+          <a:p>
+            <a:r>
+              <a:rPr lang="en-US" sz="1200" dirty="0">
+                <a:solidFill>
+                  <a:schemeClr val="bg1">
+                    <a:lumMod val="50000"/>
+                  </a:schemeClr>
+                </a:solidFill>
+              </a:rPr>
               <a:t>$ export BK_HOME=$HOME/projects/claude-skills</a:t>
             </a:r>
           </a:p>
@@ -3301,7 +3305,9 @@
             <a:r>
               <a:rPr lang="en-US" sz="1200" dirty="0">
                 <a:solidFill>
-                  <a:schemeClr val="tx1"/>
+                  <a:schemeClr val="bg1">
+                    <a:lumMod val="50000"/>
+                  </a:schemeClr>
                 </a:solidFill>
               </a:rPr>
               <a:t>$ cd claude-skills/scripts</a:t>
@@ -3309,7 +3315,13 @@
           </a:p>
           <a:p>
             <a:r>
-              <a:rPr lang="en-US" sz="1200" dirty="0"/>
+              <a:rPr lang="en-US" sz="1200" dirty="0">
+                <a:solidFill>
+                  <a:schemeClr val="bg1">
+                    <a:lumMod val="50000"/>
+                  </a:schemeClr>
+                </a:solidFill>
+              </a:rPr>
               <a:t>$ ./bk-install-scripts</a:t>
             </a:r>
           </a:p>
@@ -3317,63 +3329,57 @@
             <a:r>
               <a:rPr lang="en-US" sz="1200" dirty="0">
                 <a:solidFill>
-                  <a:schemeClr val="tx1"/>
-                </a:solidFill>
-              </a:rPr>
-              <a:t>$</a:t>
-            </a:r>
-            <a:r>
-              <a:rPr lang="en-US" sz="1200" dirty="0"/>
-              <a:t> ./bk-install-skills</a:t>
+                  <a:schemeClr val="bg1">
+                    <a:lumMod val="50000"/>
+                  </a:schemeClr>
+                </a:solidFill>
+              </a:rPr>
+              <a:t>$ ./bk-install-skills</a:t>
             </a:r>
           </a:p>
           <a:p>
             <a:r>
               <a:rPr lang="en-US" sz="1200" dirty="0">
                 <a:solidFill>
-                  <a:schemeClr val="tx1"/>
-                </a:solidFill>
-              </a:rPr>
-              <a:t>$ </a:t>
-            </a:r>
-            <a:r>
-              <a:rPr lang="en-US" sz="1200" dirty="0"/>
-              <a:t>cd ~/projects</a:t>
+                  <a:schemeClr val="bg1">
+                    <a:lumMod val="50000"/>
+                  </a:schemeClr>
+                </a:solidFill>
+              </a:rPr>
+              <a:t>$ cd ~/projects</a:t>
             </a:r>
           </a:p>
           <a:p>
             <a:r>
               <a:rPr lang="en-US" sz="1200" dirty="0">
                 <a:solidFill>
-                  <a:schemeClr val="tx1"/>
-                </a:solidFill>
-              </a:rPr>
-              <a:t>$ git clone </a:t>
-            </a:r>
-            <a:r>
-              <a:rPr lang="en-US" sz="1200" dirty="0"/>
-              <a:t>https://github.com/GITHUB_ID/BOOK_REPO</a:t>
+                  <a:schemeClr val="bg1">
+                    <a:lumMod val="50000"/>
+                  </a:schemeClr>
+                </a:solidFill>
+              </a:rPr>
+              <a:t>$ git clone https://github.com/GITHUB_ID/BOOK_REPO</a:t>
             </a:r>
           </a:p>
           <a:p>
             <a:r>
               <a:rPr lang="en-US" sz="1200" dirty="0">
                 <a:solidFill>
-                  <a:schemeClr val="tx1"/>
-                </a:solidFill>
-              </a:rPr>
-              <a:t>$ cd </a:t>
-            </a:r>
-            <a:r>
-              <a:rPr lang="en-US" sz="1200" dirty="0"/>
-              <a:t>BOOK_REPO</a:t>
+                  <a:schemeClr val="bg1">
+                    <a:lumMod val="50000"/>
+                  </a:schemeClr>
+                </a:solidFill>
+              </a:rPr>
+              <a:t>$ cd BOOK_REPO</a:t>
             </a:r>
           </a:p>
           <a:p>
             <a:r>
               <a:rPr lang="en-US" sz="1200" dirty="0">
                 <a:solidFill>
-                  <a:schemeClr val="tx1"/>
+                  <a:schemeClr val="bg1">
+                    <a:lumMod val="50000"/>
+                  </a:schemeClr>
                 </a:solidFill>
               </a:rPr>
               <a:t>$ claude</a:t>
@@ -3750,7 +3756,7 @@
         <p:spPr>
           <a:xfrm>
             <a:off x="217958" y="3535953"/>
-            <a:ext cx="3270310" cy="2011407"/>
+            <a:ext cx="3270310" cy="2187514"/>
           </a:xfrm>
           <a:prstGeom prst="roundRect">
             <a:avLst>
@@ -3863,7 +3869,7 @@
         <p:spPr>
           <a:xfrm>
             <a:off x="338740" y="3720013"/>
-            <a:ext cx="3047927" cy="1754326"/>
+            <a:ext cx="3047927" cy="1938992"/>
           </a:xfrm>
           <a:prstGeom prst="rect">
             <a:avLst/>
@@ -3877,21 +3883,25 @@
           <a:lstStyle/>
           <a:p>
             <a:r>
-              <a:rPr lang="en-US" sz="1200" dirty="0"/>
-              <a:t>&gt;</a:t>
-            </a:r>
-            <a:r>
               <a:rPr lang="en-US" sz="1200" dirty="0">
                 <a:solidFill>
-                  <a:schemeClr val="tx1"/>
-                </a:solidFill>
-              </a:rPr>
-              <a:t> /skill course-description-analyzer</a:t>
-            </a:r>
-          </a:p>
-          <a:p>
-            <a:r>
-              <a:rPr lang="en-US" sz="1200" dirty="0"/>
+                  <a:schemeClr val="bg1">
+                    <a:lumMod val="50000"/>
+                  </a:schemeClr>
+                </a:solidFill>
+              </a:rPr>
+              <a:t>&gt; /skill course-description-analyzer</a:t>
+            </a:r>
+          </a:p>
+          <a:p>
+            <a:r>
+              <a:rPr lang="en-US" sz="1200" dirty="0">
+                <a:solidFill>
+                  <a:schemeClr val="bg1">
+                    <a:lumMod val="50000"/>
+                  </a:schemeClr>
+                </a:solidFill>
+              </a:rPr>
               <a:t>&gt; /skill learning-graph-generator</a:t>
             </a:r>
           </a:p>
@@ -3899,7 +3909,9 @@
             <a:r>
               <a:rPr lang="en-US" sz="1200" dirty="0">
                 <a:solidFill>
-                  <a:schemeClr val="tx1"/>
+                  <a:schemeClr val="bg1">
+                    <a:lumMod val="50000"/>
+                  </a:schemeClr>
                 </a:solidFill>
               </a:rPr>
               <a:t>&gt; /skill install-learning-graph-viewer</a:t>
@@ -3909,7 +3921,9 @@
             <a:r>
               <a:rPr lang="en-US" sz="1200" dirty="0">
                 <a:solidFill>
-                  <a:schemeClr val="tx1"/>
+                  <a:schemeClr val="bg1">
+                    <a:lumMod val="50000"/>
+                  </a:schemeClr>
                 </a:solidFill>
               </a:rPr>
               <a:t>&gt; /skill book-chapter-generator</a:t>
@@ -3919,56 +3933,108 @@
             <a:r>
               <a:rPr lang="en-US" sz="1200" dirty="0">
                 <a:solidFill>
-                  <a:schemeClr val="tx1"/>
-                </a:solidFill>
-              </a:rPr>
-              <a:t>&gt; /</a:t>
-            </a:r>
-            <a:r>
-              <a:rPr lang="en-US" sz="1200" dirty="0"/>
-              <a:t>skill chapter-content-generator chapter 1</a:t>
+                  <a:schemeClr val="bg1">
+                    <a:lumMod val="50000"/>
+                  </a:schemeClr>
+                </a:solidFill>
+              </a:rPr>
+              <a:t>&gt; /skill chapter-content-generator chapter 1</a:t>
             </a:r>
             <a:br>
-              <a:rPr lang="en-US" sz="1200" dirty="0"/>
+              <a:rPr lang="en-US" sz="1200" dirty="0">
+                <a:solidFill>
+                  <a:schemeClr val="bg1">
+                    <a:lumMod val="50000"/>
+                  </a:schemeClr>
+                </a:solidFill>
+              </a:rPr>
             </a:br>
             <a:r>
-              <a:rPr lang="en-US" sz="1200" dirty="0"/>
+              <a:rPr lang="en-US" sz="1200" dirty="0">
+                <a:solidFill>
+                  <a:schemeClr val="bg1">
+                    <a:lumMod val="50000"/>
+                  </a:schemeClr>
+                </a:solidFill>
+              </a:rPr>
               <a:t>&gt; /skill glossary-generator</a:t>
             </a:r>
             <a:br>
-              <a:rPr lang="en-US" sz="1200" dirty="0"/>
+              <a:rPr lang="en-US" sz="1200" dirty="0">
+                <a:solidFill>
+                  <a:schemeClr val="bg1">
+                    <a:lumMod val="50000"/>
+                  </a:schemeClr>
+                </a:solidFill>
+              </a:rPr>
             </a:br>
             <a:r>
-              <a:rPr lang="en-US" sz="1200" dirty="0"/>
-              <a:t>&gt; /skill </a:t>
-            </a:r>
-            <a:r>
-              <a:rPr lang="en-US" sz="1200" dirty="0" err="1"/>
-              <a:t>faq</a:t>
-            </a:r>
-            <a:r>
-              <a:rPr lang="en-US" sz="1200" dirty="0"/>
-              <a:t>-generator</a:t>
+              <a:rPr lang="en-US" sz="1200" dirty="0">
+                <a:solidFill>
+                  <a:schemeClr val="bg1">
+                    <a:lumMod val="50000"/>
+                  </a:schemeClr>
+                </a:solidFill>
+              </a:rPr>
+              <a:t>&gt; /skill faq-generator</a:t>
             </a:r>
             <a:br>
-              <a:rPr lang="en-US" sz="1200" dirty="0"/>
+              <a:rPr lang="en-US" sz="1200" dirty="0">
+                <a:solidFill>
+                  <a:schemeClr val="bg1">
+                    <a:lumMod val="50000"/>
+                  </a:schemeClr>
+                </a:solidFill>
+              </a:rPr>
             </a:br>
             <a:r>
-              <a:rPr lang="en-US" sz="1200" dirty="0"/>
+              <a:rPr lang="en-US" sz="1200" dirty="0">
+                <a:solidFill>
+                  <a:schemeClr val="bg1">
+                    <a:lumMod val="50000"/>
+                  </a:schemeClr>
+                </a:solidFill>
+              </a:rPr>
               <a:t>&gt;/skill quiz-generator</a:t>
             </a:r>
             <a:br>
-              <a:rPr lang="en-US" sz="1200" dirty="0"/>
+              <a:rPr lang="en-US" sz="1200" dirty="0">
+                <a:solidFill>
+                  <a:schemeClr val="bg1">
+                    <a:lumMod val="50000"/>
+                  </a:schemeClr>
+                </a:solidFill>
+              </a:rPr>
             </a:br>
             <a:r>
-              <a:rPr lang="en-US" sz="1200" dirty="0"/>
+              <a:rPr lang="en-US" sz="1200" dirty="0">
+                <a:solidFill>
+                  <a:schemeClr val="bg1">
+                    <a:lumMod val="50000"/>
+                  </a:schemeClr>
+                </a:solidFill>
+              </a:rPr>
+              <a:t>&gt; /skill reference-generator</a:t>
+            </a:r>
+            <a:br>
+              <a:rPr lang="en-US" sz="1200" dirty="0">
+                <a:solidFill>
+                  <a:schemeClr val="bg1">
+                    <a:lumMod val="50000"/>
+                  </a:schemeClr>
+                </a:solidFill>
+              </a:rPr>
+            </a:br>
+            <a:r>
+              <a:rPr lang="en-US" sz="1200" dirty="0">
+                <a:solidFill>
+                  <a:schemeClr val="bg1">
+                    <a:lumMod val="50000"/>
+                  </a:schemeClr>
+                </a:solidFill>
+              </a:rPr>
               <a:t>&gt;/skill linkedin-announcement-generator</a:t>
             </a:r>
-            <a:endParaRPr lang="en-US" sz="1200" dirty="0">
-              <a:solidFill>
-                <a:schemeClr val="tx1"/>
-              </a:solidFill>
-            </a:endParaRPr>
           </a:p>
         </p:txBody>
       </p:sp>
@@ -4438,6 +4504,1150 @@
                 </a:solidFill>
               </a:rPr>
               <a:t>Evaluate</a:t>
+            </a:r>
+          </a:p>
+        </p:txBody>
+      </p:sp>
+      <p:sp>
+        <p:nvSpPr>
+          <p:cNvPr id="27" name="Rounded Rectangle 26">
+            <a:extLst>
+              <a:ext uri="{FF2B5EF4-FFF2-40B4-BE49-F238E27FC236}">
+                <a16:creationId xmlns:a16="http://schemas.microsoft.com/office/drawing/2014/main" id="{1709C0B0-9506-8B20-9587-445F2BB6F600}"/>
+              </a:ext>
+            </a:extLst>
+          </p:cNvPr>
+          <p:cNvSpPr/>
+          <p:nvPr/>
+        </p:nvSpPr>
+        <p:spPr>
+          <a:xfrm>
+            <a:off x="180704" y="6336726"/>
+            <a:ext cx="3270310" cy="2753087"/>
+          </a:xfrm>
+          <a:prstGeom prst="roundRect">
+            <a:avLst>
+              <a:gd name="adj" fmla="val 3879"/>
+            </a:avLst>
+          </a:prstGeom>
+          <a:solidFill>
+            <a:schemeClr val="bg1"/>
+          </a:solidFill>
+        </p:spPr>
+        <p:style>
+          <a:lnRef idx="2">
+            <a:schemeClr val="accent1">
+              <a:shade val="15000"/>
+            </a:schemeClr>
+          </a:lnRef>
+          <a:fillRef idx="1">
+            <a:schemeClr val="accent1"/>
+          </a:fillRef>
+          <a:effectRef idx="0">
+            <a:schemeClr val="accent1"/>
+          </a:effectRef>
+          <a:fontRef idx="minor">
+            <a:schemeClr val="lt1"/>
+          </a:fontRef>
+        </p:style>
+        <p:txBody>
+          <a:bodyPr rtlCol="0" anchor="ctr"/>
+          <a:lstStyle/>
+          <a:p>
+            <a:pPr algn="ctr"/>
+            <a:endParaRPr lang="en-US" dirty="0">
+              <a:solidFill>
+                <a:schemeClr val="tx1"/>
+              </a:solidFill>
+            </a:endParaRPr>
+          </a:p>
+        </p:txBody>
+      </p:sp>
+      <p:sp>
+        <p:nvSpPr>
+          <p:cNvPr id="28" name="Rounded Rectangle 27">
+            <a:extLst>
+              <a:ext uri="{FF2B5EF4-FFF2-40B4-BE49-F238E27FC236}">
+                <a16:creationId xmlns:a16="http://schemas.microsoft.com/office/drawing/2014/main" id="{11755D53-6CB6-5B62-6FB5-F3699060D0C7}"/>
+              </a:ext>
+            </a:extLst>
+          </p:cNvPr>
+          <p:cNvSpPr/>
+          <p:nvPr/>
+        </p:nvSpPr>
+        <p:spPr>
+          <a:xfrm>
+            <a:off x="338481" y="6198356"/>
+            <a:ext cx="2973679" cy="292780"/>
+          </a:xfrm>
+          <a:prstGeom prst="roundRect">
+            <a:avLst>
+              <a:gd name="adj" fmla="val 19724"/>
+            </a:avLst>
+          </a:prstGeom>
+          <a:solidFill>
+            <a:schemeClr val="bg1"/>
+          </a:solidFill>
+        </p:spPr>
+        <p:style>
+          <a:lnRef idx="2">
+            <a:schemeClr val="accent1">
+              <a:shade val="15000"/>
+            </a:schemeClr>
+          </a:lnRef>
+          <a:fillRef idx="1">
+            <a:schemeClr val="accent1"/>
+          </a:fillRef>
+          <a:effectRef idx="0">
+            <a:schemeClr val="accent1"/>
+          </a:effectRef>
+          <a:fontRef idx="minor">
+            <a:schemeClr val="lt1"/>
+          </a:fontRef>
+        </p:style>
+        <p:txBody>
+          <a:bodyPr rtlCol="0" anchor="ctr"/>
+          <a:lstStyle/>
+          <a:p>
+            <a:pPr algn="ctr"/>
+            <a:r>
+              <a:rPr lang="en-US" sz="1400" dirty="0">
+                <a:solidFill>
+                  <a:schemeClr val="tx1"/>
+                </a:solidFill>
+              </a:rPr>
+              <a:t>Sample MicroSim Generation Skills</a:t>
+            </a:r>
+          </a:p>
+        </p:txBody>
+      </p:sp>
+      <p:sp>
+        <p:nvSpPr>
+          <p:cNvPr id="29" name="TextBox 28">
+            <a:extLst>
+              <a:ext uri="{FF2B5EF4-FFF2-40B4-BE49-F238E27FC236}">
+                <a16:creationId xmlns:a16="http://schemas.microsoft.com/office/drawing/2014/main" id="{8D5FA5B7-80DE-43A0-0B7B-D28316C2BBD5}"/>
+              </a:ext>
+            </a:extLst>
+          </p:cNvPr>
+          <p:cNvSpPr txBox="1"/>
+          <p:nvPr/>
+        </p:nvSpPr>
+        <p:spPr>
+          <a:xfrm>
+            <a:off x="226979" y="6507239"/>
+            <a:ext cx="3047927" cy="2492990"/>
+          </a:xfrm>
+          <a:prstGeom prst="rect">
+            <a:avLst/>
+          </a:prstGeom>
+          <a:noFill/>
+        </p:spPr>
+        <p:txBody>
+          <a:bodyPr wrap="square">
+            <a:spAutoFit/>
+          </a:bodyPr>
+          <a:lstStyle/>
+          <a:p>
+            <a:r>
+              <a:rPr lang="en-US" sz="1200" dirty="0">
+                <a:solidFill>
+                  <a:schemeClr val="bg1">
+                    <a:lumMod val="50000"/>
+                  </a:schemeClr>
+                </a:solidFill>
+              </a:rPr>
+              <a:t>&gt; /skill microsim-p5</a:t>
+            </a:r>
+          </a:p>
+          <a:p>
+            <a:r>
+              <a:rPr lang="en-US" sz="1200" dirty="0">
+                <a:solidFill>
+                  <a:schemeClr val="bg1">
+                    <a:lumMod val="50000"/>
+                  </a:schemeClr>
+                </a:solidFill>
+              </a:rPr>
+              <a:t>&gt; /skill mermaid-generator</a:t>
+            </a:r>
+          </a:p>
+          <a:p>
+            <a:r>
+              <a:rPr lang="en-US" sz="1200" dirty="0">
+                <a:solidFill>
+                  <a:schemeClr val="bg1">
+                    <a:lumMod val="50000"/>
+                  </a:schemeClr>
+                </a:solidFill>
+              </a:rPr>
+              <a:t>&gt; /skill microsim-vis-network</a:t>
+            </a:r>
+          </a:p>
+          <a:p>
+            <a:r>
+              <a:rPr lang="en-US" sz="1200" dirty="0">
+                <a:solidFill>
+                  <a:schemeClr val="bg1">
+                    <a:lumMod val="50000"/>
+                  </a:schemeClr>
+                </a:solidFill>
+              </a:rPr>
+              <a:t>&gt; /skill chartjs-generator</a:t>
+            </a:r>
+          </a:p>
+          <a:p>
+            <a:r>
+              <a:rPr lang="en-US" sz="1200" dirty="0">
+                <a:solidFill>
+                  <a:schemeClr val="bg1">
+                    <a:lumMod val="50000"/>
+                  </a:schemeClr>
+                </a:solidFill>
+              </a:rPr>
+              <a:t>&gt; /skill timeline-generator</a:t>
+            </a:r>
+            <a:br>
+              <a:rPr lang="en-US" sz="1200" dirty="0">
+                <a:solidFill>
+                  <a:schemeClr val="bg1">
+                    <a:lumMod val="50000"/>
+                  </a:schemeClr>
+                </a:solidFill>
+              </a:rPr>
+            </a:br>
+            <a:r>
+              <a:rPr lang="en-US" sz="1200" dirty="0">
+                <a:solidFill>
+                  <a:schemeClr val="bg1">
+                    <a:lumMod val="50000"/>
+                  </a:schemeClr>
+                </a:solidFill>
+              </a:rPr>
+              <a:t>&gt; /skill map-generator</a:t>
+            </a:r>
+            <a:br>
+              <a:rPr lang="en-US" sz="1200" dirty="0">
+                <a:solidFill>
+                  <a:schemeClr val="bg1">
+                    <a:lumMod val="50000"/>
+                  </a:schemeClr>
+                </a:solidFill>
+              </a:rPr>
+            </a:br>
+            <a:r>
+              <a:rPr lang="en-US" sz="1200" dirty="0">
+                <a:solidFill>
+                  <a:schemeClr val="bg1">
+                    <a:lumMod val="50000"/>
+                  </a:schemeClr>
+                </a:solidFill>
+              </a:rPr>
+              <a:t>&gt; /skill math-function-plotter-plotly</a:t>
+            </a:r>
+            <a:br>
+              <a:rPr lang="en-US" sz="1200" dirty="0">
+                <a:solidFill>
+                  <a:schemeClr val="bg1">
+                    <a:lumMod val="50000"/>
+                  </a:schemeClr>
+                </a:solidFill>
+              </a:rPr>
+            </a:br>
+            <a:r>
+              <a:rPr lang="en-US" sz="1200" dirty="0">
+                <a:solidFill>
+                  <a:schemeClr val="bg1">
+                    <a:lumMod val="50000"/>
+                  </a:schemeClr>
+                </a:solidFill>
+              </a:rPr>
+              <a:t>&gt; /skill causal-loop-microsim-generator</a:t>
+            </a:r>
+            <a:br>
+              <a:rPr lang="en-US" sz="1200" dirty="0">
+                <a:solidFill>
+                  <a:schemeClr val="bg1">
+                    <a:lumMod val="50000"/>
+                  </a:schemeClr>
+                </a:solidFill>
+              </a:rPr>
+            </a:br>
+            <a:r>
+              <a:rPr lang="en-US" sz="1200" dirty="0">
+                <a:solidFill>
+                  <a:schemeClr val="bg1">
+                    <a:lumMod val="50000"/>
+                  </a:schemeClr>
+                </a:solidFill>
+              </a:rPr>
+              <a:t>&gt; /skill microsim-matcher</a:t>
+            </a:r>
+            <a:br>
+              <a:rPr lang="en-US" sz="1200" dirty="0">
+                <a:solidFill>
+                  <a:schemeClr val="bg1">
+                    <a:lumMod val="50000"/>
+                  </a:schemeClr>
+                </a:solidFill>
+              </a:rPr>
+            </a:br>
+            <a:r>
+              <a:rPr lang="en-US" sz="1200" dirty="0">
+                <a:solidFill>
+                  <a:schemeClr val="bg1">
+                    <a:lumMod val="50000"/>
+                  </a:schemeClr>
+                </a:solidFill>
+              </a:rPr>
+              <a:t>&gt; /skill microsim-screen-capture</a:t>
+            </a:r>
+            <a:br>
+              <a:rPr lang="en-US" sz="1200" dirty="0">
+                <a:solidFill>
+                  <a:schemeClr val="bg1">
+                    <a:lumMod val="50000"/>
+                  </a:schemeClr>
+                </a:solidFill>
+              </a:rPr>
+            </a:br>
+            <a:r>
+              <a:rPr lang="en-US" sz="1200" dirty="0">
+                <a:solidFill>
+                  <a:schemeClr val="bg1">
+                    <a:lumMod val="50000"/>
+                  </a:schemeClr>
+                </a:solidFill>
+              </a:rPr>
+              <a:t>&gt; /skill readme-generator</a:t>
+            </a:r>
+            <a:br>
+              <a:rPr lang="en-US" sz="1200" dirty="0">
+                <a:solidFill>
+                  <a:schemeClr val="bg1">
+                    <a:lumMod val="50000"/>
+                  </a:schemeClr>
+                </a:solidFill>
+              </a:rPr>
+            </a:br>
+            <a:r>
+              <a:rPr lang="en-US" sz="1200" dirty="0">
+                <a:solidFill>
+                  <a:schemeClr val="bg1">
+                    <a:lumMod val="50000"/>
+                  </a:schemeClr>
+                </a:solidFill>
+              </a:rPr>
+              <a:t>&gt; /skill microsim-standardization</a:t>
+            </a:r>
+            <a:br>
+              <a:rPr lang="en-US" sz="1200" dirty="0">
+                <a:solidFill>
+                  <a:schemeClr val="bg1">
+                    <a:lumMod val="50000"/>
+                  </a:schemeClr>
+                </a:solidFill>
+              </a:rPr>
+            </a:br>
+            <a:r>
+              <a:rPr lang="en-US" sz="1200" dirty="0">
+                <a:solidFill>
+                  <a:schemeClr val="bg1">
+                    <a:lumMod val="50000"/>
+                  </a:schemeClr>
+                </a:solidFill>
+              </a:rPr>
+              <a:t>&gt; /skill linkedin-announcement-generator</a:t>
+            </a:r>
+          </a:p>
+        </p:txBody>
+      </p:sp>
+      <p:sp>
+        <p:nvSpPr>
+          <p:cNvPr id="30" name="Rounded Rectangle 29">
+            <a:extLst>
+              <a:ext uri="{FF2B5EF4-FFF2-40B4-BE49-F238E27FC236}">
+                <a16:creationId xmlns:a16="http://schemas.microsoft.com/office/drawing/2014/main" id="{D21AE638-6498-D3AB-3AE7-29E09F28D910}"/>
+              </a:ext>
+            </a:extLst>
+          </p:cNvPr>
+          <p:cNvSpPr/>
+          <p:nvPr/>
+        </p:nvSpPr>
+        <p:spPr>
+          <a:xfrm>
+            <a:off x="3611397" y="5249607"/>
+            <a:ext cx="4022150" cy="1963994"/>
+          </a:xfrm>
+          <a:prstGeom prst="roundRect">
+            <a:avLst>
+              <a:gd name="adj" fmla="val 3879"/>
+            </a:avLst>
+          </a:prstGeom>
+          <a:solidFill>
+            <a:schemeClr val="bg1"/>
+          </a:solidFill>
+        </p:spPr>
+        <p:style>
+          <a:lnRef idx="2">
+            <a:schemeClr val="accent1">
+              <a:shade val="15000"/>
+            </a:schemeClr>
+          </a:lnRef>
+          <a:fillRef idx="1">
+            <a:schemeClr val="accent1"/>
+          </a:fillRef>
+          <a:effectRef idx="0">
+            <a:schemeClr val="accent1"/>
+          </a:effectRef>
+          <a:fontRef idx="minor">
+            <a:schemeClr val="lt1"/>
+          </a:fontRef>
+        </p:style>
+        <p:txBody>
+          <a:bodyPr rtlCol="0" anchor="ctr"/>
+          <a:lstStyle/>
+          <a:p>
+            <a:pPr algn="ctr"/>
+            <a:endParaRPr lang="en-US" dirty="0">
+              <a:solidFill>
+                <a:schemeClr val="tx1"/>
+              </a:solidFill>
+            </a:endParaRPr>
+          </a:p>
+        </p:txBody>
+      </p:sp>
+      <p:sp>
+        <p:nvSpPr>
+          <p:cNvPr id="31" name="Rounded Rectangle 30">
+            <a:extLst>
+              <a:ext uri="{FF2B5EF4-FFF2-40B4-BE49-F238E27FC236}">
+                <a16:creationId xmlns:a16="http://schemas.microsoft.com/office/drawing/2014/main" id="{6895C453-762F-3860-46D9-7DB07D1F5C9F}"/>
+              </a:ext>
+            </a:extLst>
+          </p:cNvPr>
+          <p:cNvSpPr/>
+          <p:nvPr/>
+        </p:nvSpPr>
+        <p:spPr>
+          <a:xfrm>
+            <a:off x="3796269" y="5124783"/>
+            <a:ext cx="1690132" cy="280337"/>
+          </a:xfrm>
+          <a:prstGeom prst="roundRect">
+            <a:avLst>
+              <a:gd name="adj" fmla="val 19724"/>
+            </a:avLst>
+          </a:prstGeom>
+          <a:solidFill>
+            <a:schemeClr val="bg1"/>
+          </a:solidFill>
+        </p:spPr>
+        <p:style>
+          <a:lnRef idx="2">
+            <a:schemeClr val="accent1">
+              <a:shade val="15000"/>
+            </a:schemeClr>
+          </a:lnRef>
+          <a:fillRef idx="1">
+            <a:schemeClr val="accent1"/>
+          </a:fillRef>
+          <a:effectRef idx="0">
+            <a:schemeClr val="accent1"/>
+          </a:effectRef>
+          <a:fontRef idx="minor">
+            <a:schemeClr val="lt1"/>
+          </a:fontRef>
+        </p:style>
+        <p:txBody>
+          <a:bodyPr rtlCol="0" anchor="ctr"/>
+          <a:lstStyle/>
+          <a:p>
+            <a:pPr algn="ctr"/>
+            <a:r>
+              <a:rPr lang="en-US" sz="1400" dirty="0">
+                <a:solidFill>
+                  <a:schemeClr val="tx1"/>
+                </a:solidFill>
+              </a:rPr>
+              <a:t>Sample BK Scripts</a:t>
+            </a:r>
+          </a:p>
+        </p:txBody>
+      </p:sp>
+      <p:sp>
+        <p:nvSpPr>
+          <p:cNvPr id="32" name="TextBox 31">
+            <a:extLst>
+              <a:ext uri="{FF2B5EF4-FFF2-40B4-BE49-F238E27FC236}">
+                <a16:creationId xmlns:a16="http://schemas.microsoft.com/office/drawing/2014/main" id="{959A0F36-0DD4-B641-3222-1E31AA611518}"/>
+              </a:ext>
+            </a:extLst>
+          </p:cNvPr>
+          <p:cNvSpPr txBox="1"/>
+          <p:nvPr/>
+        </p:nvSpPr>
+        <p:spPr>
+          <a:xfrm>
+            <a:off x="3617032" y="5481089"/>
+            <a:ext cx="3881048" cy="1692771"/>
+          </a:xfrm>
+          <a:prstGeom prst="rect">
+            <a:avLst/>
+          </a:prstGeom>
+          <a:noFill/>
+        </p:spPr>
+        <p:txBody>
+          <a:bodyPr wrap="square">
+            <a:spAutoFit/>
+          </a:bodyPr>
+          <a:lstStyle/>
+          <a:p>
+            <a:r>
+              <a:rPr lang="en-US" sz="800" dirty="0"/>
+              <a:t>1. bk                                                       </a:t>
+            </a:r>
+            <a:r>
+              <a:rPr lang="en-US" sz="800" dirty="0">
+                <a:solidFill>
+                  <a:schemeClr val="bg1">
+                    <a:lumMod val="50000"/>
+                  </a:schemeClr>
+                </a:solidFill>
+              </a:rPr>
+              <a:t>Build/Book utilities menu</a:t>
+            </a:r>
+          </a:p>
+          <a:p>
+            <a:r>
+              <a:rPr lang="en-US" sz="800" dirty="0"/>
+              <a:t> 2. bk-analyze-skill-usage           </a:t>
+            </a:r>
+            <a:r>
+              <a:rPr lang="en-US" sz="800" dirty="0">
+                <a:solidFill>
+                  <a:schemeClr val="bg1">
+                    <a:lumMod val="50000"/>
+                  </a:schemeClr>
+                </a:solidFill>
+              </a:rPr>
+              <a:t>Skill usage analysis report (minutes, tokens)</a:t>
+            </a:r>
+          </a:p>
+          <a:p>
+            <a:r>
+              <a:rPr lang="en-US" sz="800" dirty="0"/>
+              <a:t> 3. bk-capture-screenshot         </a:t>
+            </a:r>
+            <a:r>
+              <a:rPr lang="en-US" sz="800" dirty="0">
+                <a:solidFill>
+                  <a:schemeClr val="bg1">
+                    <a:lumMod val="50000"/>
+                  </a:schemeClr>
+                </a:solidFill>
+              </a:rPr>
+              <a:t>Capture a screenshot of a MicroSim using Chrome</a:t>
+            </a:r>
+          </a:p>
+          <a:p>
+            <a:r>
+              <a:rPr lang="en-US" sz="800" dirty="0"/>
+              <a:t>   4. bk-check-loops                       </a:t>
+            </a:r>
+            <a:r>
+              <a:rPr lang="en-US" sz="800" dirty="0">
+                <a:solidFill>
+                  <a:schemeClr val="bg1">
+                    <a:lumMod val="50000"/>
+                  </a:schemeClr>
+                </a:solidFill>
+              </a:rPr>
+              <a:t>Check for loops/cycles in a learning graph</a:t>
+            </a:r>
+          </a:p>
+          <a:p>
+            <a:r>
+              <a:rPr lang="en-US" sz="800" dirty="0"/>
+              <a:t>   5. bk-diagram-reports                </a:t>
+            </a:r>
+            <a:r>
+              <a:rPr lang="en-US" sz="800" dirty="0">
+                <a:solidFill>
+                  <a:schemeClr val="bg1">
+                    <a:lumMod val="50000"/>
+                  </a:schemeClr>
+                </a:solidFill>
+              </a:rPr>
+              <a:t>Diagram and MicroSim quality report</a:t>
+            </a:r>
+          </a:p>
+          <a:p>
+            <a:r>
+              <a:rPr lang="en-US" sz="800" dirty="0"/>
+              <a:t>   6. bk-generate-book-metrics  </a:t>
+            </a:r>
+            <a:r>
+              <a:rPr lang="en-US" sz="800" dirty="0">
+                <a:solidFill>
+                  <a:schemeClr val="bg1">
+                    <a:lumMod val="50000"/>
+                  </a:schemeClr>
+                </a:solidFill>
+              </a:rPr>
+              <a:t>Comprehensive metrics reports for book</a:t>
+            </a:r>
+          </a:p>
+          <a:p>
+            <a:r>
+              <a:rPr lang="en-US" sz="800" dirty="0"/>
+              <a:t>   7. bk-install-scripts                     </a:t>
+            </a:r>
+            <a:r>
+              <a:rPr lang="en-US" sz="800" dirty="0">
+                <a:solidFill>
+                  <a:schemeClr val="bg1">
+                    <a:lumMod val="50000"/>
+                  </a:schemeClr>
+                </a:solidFill>
+              </a:rPr>
+              <a:t>Creates symbolic links for all bk* scripts in $...</a:t>
+            </a:r>
+          </a:p>
+          <a:p>
+            <a:r>
+              <a:rPr lang="en-US" sz="800" dirty="0"/>
+              <a:t>   8. bk-install-skills                        </a:t>
+            </a:r>
+            <a:r>
+              <a:rPr lang="en-US" sz="800" dirty="0">
+                <a:solidFill>
+                  <a:schemeClr val="bg1">
+                    <a:lumMod val="50000"/>
+                  </a:schemeClr>
+                </a:solidFill>
+              </a:rPr>
+              <a:t>Creates symbolic links in ~/.claude/skills/ for skills</a:t>
+            </a:r>
+          </a:p>
+          <a:p>
+            <a:r>
+              <a:rPr lang="en-US" sz="800" dirty="0"/>
+              <a:t>   9. bk-install-social-override-plugin   </a:t>
+            </a:r>
+            <a:r>
+              <a:rPr lang="en-US" sz="800" dirty="0">
+                <a:solidFill>
+                  <a:schemeClr val="bg1">
+                    <a:lumMod val="50000"/>
+                  </a:schemeClr>
+                </a:solidFill>
+              </a:rPr>
+              <a:t>Installs </a:t>
+            </a:r>
+            <a:r>
+              <a:rPr lang="en-US" sz="800" dirty="0" err="1">
+                <a:solidFill>
+                  <a:schemeClr val="bg1">
+                    <a:lumMod val="50000"/>
+                  </a:schemeClr>
+                </a:solidFill>
+              </a:rPr>
+              <a:t>social_override</a:t>
+            </a:r>
+            <a:r>
+              <a:rPr lang="en-US" sz="800" dirty="0">
+                <a:solidFill>
+                  <a:schemeClr val="bg1">
+                    <a:lumMod val="50000"/>
+                  </a:schemeClr>
+                </a:solidFill>
+              </a:rPr>
+              <a:t> plugin for </a:t>
+            </a:r>
+            <a:r>
+              <a:rPr lang="en-US" sz="800" dirty="0" err="1">
+                <a:solidFill>
+                  <a:schemeClr val="bg1">
+                    <a:lumMod val="50000"/>
+                  </a:schemeClr>
+                </a:solidFill>
+              </a:rPr>
+              <a:t>mkdocs</a:t>
+            </a:r>
+            <a:endParaRPr lang="en-US" sz="800" dirty="0">
+              <a:solidFill>
+                <a:schemeClr val="bg1">
+                  <a:lumMod val="50000"/>
+                </a:schemeClr>
+              </a:solidFill>
+            </a:endParaRPr>
+          </a:p>
+          <a:p>
+            <a:r>
+              <a:rPr lang="en-US" sz="800" dirty="0"/>
+              <a:t>  10. bk-list-skills                             </a:t>
+            </a:r>
+            <a:r>
+              <a:rPr lang="en-US" sz="800" dirty="0">
+                <a:solidFill>
+                  <a:schemeClr val="bg1">
+                    <a:lumMod val="50000"/>
+                  </a:schemeClr>
+                </a:solidFill>
+              </a:rPr>
+              <a:t>List all Claude skills with their descriptions</a:t>
+            </a:r>
+          </a:p>
+          <a:p>
+            <a:r>
+              <a:rPr lang="en-US" sz="800" dirty="0"/>
+              <a:t>  11. bk-microsim-quality-report-generator </a:t>
+            </a:r>
+            <a:r>
+              <a:rPr lang="en-US" sz="800" dirty="0">
+                <a:solidFill>
+                  <a:schemeClr val="bg1">
+                    <a:lumMod val="50000"/>
+                  </a:schemeClr>
+                </a:solidFill>
+              </a:rPr>
+              <a:t>Generate quality reports for </a:t>
+            </a:r>
+            <a:r>
+              <a:rPr lang="en-US" sz="800" dirty="0" err="1">
+                <a:solidFill>
+                  <a:schemeClr val="bg1">
+                    <a:lumMod val="50000"/>
+                  </a:schemeClr>
+                </a:solidFill>
+              </a:rPr>
+              <a:t>MicroSims</a:t>
+            </a:r>
+            <a:endParaRPr lang="en-US" sz="800" dirty="0">
+              <a:solidFill>
+                <a:schemeClr val="bg1">
+                  <a:lumMod val="50000"/>
+                </a:schemeClr>
+              </a:solidFill>
+            </a:endParaRPr>
+          </a:p>
+          <a:p>
+            <a:r>
+              <a:rPr lang="en-US" sz="800" dirty="0"/>
+              <a:t>  12. bk-resize-images                    </a:t>
+            </a:r>
+            <a:r>
+              <a:rPr lang="en-US" sz="800" dirty="0">
+                <a:solidFill>
+                  <a:schemeClr val="bg1">
+                    <a:lumMod val="50000"/>
+                  </a:schemeClr>
+                </a:solidFill>
+              </a:rPr>
+              <a:t>Compresses large images to approximately 300KB .</a:t>
+            </a:r>
+            <a:r>
+              <a:rPr lang="en-US" sz="800" dirty="0"/>
+              <a:t>..</a:t>
+            </a:r>
+          </a:p>
+          <a:p>
+            <a:r>
+              <a:rPr lang="en-US" sz="800" dirty="0"/>
+              <a:t>  13. bk-status                                    </a:t>
+            </a:r>
+            <a:r>
+              <a:rPr lang="en-US" sz="800" dirty="0">
+                <a:solidFill>
+                  <a:schemeClr val="bg1">
+                    <a:lumMod val="50000"/>
+                  </a:schemeClr>
+                </a:solidFill>
+              </a:rPr>
+              <a:t>Check the status of an intelligent textbook pro...</a:t>
+            </a:r>
+          </a:p>
+        </p:txBody>
+      </p:sp>
+      <p:sp>
+        <p:nvSpPr>
+          <p:cNvPr id="33" name="Rounded Rectangle 32">
+            <a:extLst>
+              <a:ext uri="{FF2B5EF4-FFF2-40B4-BE49-F238E27FC236}">
+                <a16:creationId xmlns:a16="http://schemas.microsoft.com/office/drawing/2014/main" id="{9C41B9F9-0D2D-B355-A88F-10BA5435A9B1}"/>
+              </a:ext>
+            </a:extLst>
+          </p:cNvPr>
+          <p:cNvSpPr/>
+          <p:nvPr/>
+        </p:nvSpPr>
+        <p:spPr>
+          <a:xfrm>
+            <a:off x="3540276" y="7616886"/>
+            <a:ext cx="4100043" cy="1963994"/>
+          </a:xfrm>
+          <a:prstGeom prst="roundRect">
+            <a:avLst>
+              <a:gd name="adj" fmla="val 3879"/>
+            </a:avLst>
+          </a:prstGeom>
+          <a:solidFill>
+            <a:schemeClr val="bg1"/>
+          </a:solidFill>
+        </p:spPr>
+        <p:style>
+          <a:lnRef idx="2">
+            <a:schemeClr val="accent1">
+              <a:shade val="15000"/>
+            </a:schemeClr>
+          </a:lnRef>
+          <a:fillRef idx="1">
+            <a:schemeClr val="accent1"/>
+          </a:fillRef>
+          <a:effectRef idx="0">
+            <a:schemeClr val="accent1"/>
+          </a:effectRef>
+          <a:fontRef idx="minor">
+            <a:schemeClr val="lt1"/>
+          </a:fontRef>
+        </p:style>
+        <p:txBody>
+          <a:bodyPr rtlCol="0" anchor="ctr"/>
+          <a:lstStyle/>
+          <a:p>
+            <a:pPr algn="ctr"/>
+            <a:endParaRPr lang="en-US" dirty="0">
+              <a:solidFill>
+                <a:schemeClr val="tx1"/>
+              </a:solidFill>
+            </a:endParaRPr>
+          </a:p>
+        </p:txBody>
+      </p:sp>
+      <p:sp>
+        <p:nvSpPr>
+          <p:cNvPr id="34" name="Rounded Rectangle 33">
+            <a:extLst>
+              <a:ext uri="{FF2B5EF4-FFF2-40B4-BE49-F238E27FC236}">
+                <a16:creationId xmlns:a16="http://schemas.microsoft.com/office/drawing/2014/main" id="{2DFA5F12-9FEF-3131-5912-CDC5D6A7C33B}"/>
+              </a:ext>
+            </a:extLst>
+          </p:cNvPr>
+          <p:cNvSpPr/>
+          <p:nvPr/>
+        </p:nvSpPr>
+        <p:spPr>
+          <a:xfrm>
+            <a:off x="3725149" y="7492062"/>
+            <a:ext cx="1690132" cy="280337"/>
+          </a:xfrm>
+          <a:prstGeom prst="roundRect">
+            <a:avLst>
+              <a:gd name="adj" fmla="val 19724"/>
+            </a:avLst>
+          </a:prstGeom>
+          <a:solidFill>
+            <a:schemeClr val="bg1"/>
+          </a:solidFill>
+        </p:spPr>
+        <p:style>
+          <a:lnRef idx="2">
+            <a:schemeClr val="accent1">
+              <a:shade val="15000"/>
+            </a:schemeClr>
+          </a:lnRef>
+          <a:fillRef idx="1">
+            <a:schemeClr val="accent1"/>
+          </a:fillRef>
+          <a:effectRef idx="0">
+            <a:schemeClr val="accent1"/>
+          </a:effectRef>
+          <a:fontRef idx="minor">
+            <a:schemeClr val="lt1"/>
+          </a:fontRef>
+        </p:style>
+        <p:txBody>
+          <a:bodyPr rtlCol="0" anchor="ctr"/>
+          <a:lstStyle/>
+          <a:p>
+            <a:pPr algn="ctr"/>
+            <a:r>
+              <a:rPr lang="en-US" sz="1400" dirty="0">
+                <a:solidFill>
+                  <a:schemeClr val="tx1"/>
+                </a:solidFill>
+              </a:rPr>
+              <a:t>Tip and Tricks</a:t>
+            </a:r>
+          </a:p>
+        </p:txBody>
+      </p:sp>
+      <p:sp>
+        <p:nvSpPr>
+          <p:cNvPr id="35" name="TextBox 34">
+            <a:extLst>
+              <a:ext uri="{FF2B5EF4-FFF2-40B4-BE49-F238E27FC236}">
+                <a16:creationId xmlns:a16="http://schemas.microsoft.com/office/drawing/2014/main" id="{24949155-3358-4580-3DBD-ADC74722CACB}"/>
+              </a:ext>
+            </a:extLst>
+          </p:cNvPr>
+          <p:cNvSpPr txBox="1"/>
+          <p:nvPr/>
+        </p:nvSpPr>
+        <p:spPr>
+          <a:xfrm>
+            <a:off x="3545911" y="7848368"/>
+            <a:ext cx="3979261" cy="1569660"/>
+          </a:xfrm>
+          <a:prstGeom prst="rect">
+            <a:avLst/>
+          </a:prstGeom>
+          <a:noFill/>
+        </p:spPr>
+        <p:txBody>
+          <a:bodyPr wrap="square">
+            <a:spAutoFit/>
+          </a:bodyPr>
+          <a:lstStyle/>
+          <a:p>
+            <a:pPr marL="114300" indent="-114300">
+              <a:buAutoNum type="arabicPeriod"/>
+            </a:pPr>
+            <a:r>
+              <a:rPr lang="en-US" sz="800" dirty="0">
+                <a:solidFill>
+                  <a:schemeClr val="bg1">
+                    <a:lumMod val="50000"/>
+                  </a:schemeClr>
+                </a:solidFill>
+              </a:rPr>
+              <a:t>Use the @docs/{TAB] syntax to specify a path</a:t>
+            </a:r>
+          </a:p>
+          <a:p>
+            <a:pPr marL="114300" indent="-114300">
+              <a:buAutoNum type="arabicPeriod"/>
+            </a:pPr>
+            <a:r>
+              <a:rPr lang="en-US" sz="800" dirty="0">
+                <a:solidFill>
+                  <a:schemeClr val="bg1">
+                    <a:lumMod val="50000"/>
+                  </a:schemeClr>
+                </a:solidFill>
+              </a:rPr>
+              <a:t>Ask claude what skills it knows about</a:t>
+            </a:r>
+          </a:p>
+          <a:p>
+            <a:pPr marL="114300" indent="-114300">
+              <a:buAutoNum type="arabicPeriod"/>
+            </a:pPr>
+            <a:r>
+              <a:rPr lang="en-US" sz="800" dirty="0">
+                <a:solidFill>
+                  <a:schemeClr val="bg1">
+                    <a:lumMod val="50000"/>
+                  </a:schemeClr>
+                </a:solidFill>
+              </a:rPr>
+              <a:t>Ask claude what new skills should be created to save you time</a:t>
+            </a:r>
+          </a:p>
+          <a:p>
+            <a:pPr marL="114300" indent="-114300">
+              <a:buAutoNum type="arabicPeriod"/>
+            </a:pPr>
+            <a:r>
+              <a:rPr lang="en-US" sz="800" dirty="0">
+                <a:solidFill>
+                  <a:schemeClr val="bg1">
+                    <a:lumMod val="50000"/>
+                  </a:schemeClr>
+                </a:solidFill>
+              </a:rPr>
+              <a:t>Use the skill-creator skill to create specialized media types (circuit diagram)</a:t>
+            </a:r>
+          </a:p>
+          <a:p>
+            <a:pPr marL="114300" indent="-114300">
+              <a:buAutoNum type="arabicPeriod"/>
+            </a:pPr>
+            <a:r>
+              <a:rPr lang="en-US" sz="800" dirty="0">
+                <a:solidFill>
+                  <a:schemeClr val="bg1">
+                    <a:lumMod val="50000"/>
+                  </a:schemeClr>
+                </a:solidFill>
+              </a:rPr>
+              <a:t>Always do </a:t>
+            </a:r>
+            <a:r>
+              <a:rPr lang="en-US" sz="800" b="1" dirty="0"/>
+              <a:t>git pull </a:t>
+            </a:r>
+            <a:r>
+              <a:rPr lang="en-US" sz="800" dirty="0">
+                <a:solidFill>
+                  <a:schemeClr val="bg1">
+                    <a:lumMod val="50000"/>
+                  </a:schemeClr>
+                </a:solidFill>
+              </a:rPr>
+              <a:t>on the claude skills directory before you start a session</a:t>
+            </a:r>
+          </a:p>
+          <a:p>
+            <a:pPr marL="114300" indent="-114300">
+              <a:buAutoNum type="arabicPeriod"/>
+            </a:pPr>
+            <a:r>
+              <a:rPr lang="en-US" sz="800" dirty="0">
+                <a:solidFill>
+                  <a:schemeClr val="bg1">
+                    <a:lumMod val="50000"/>
+                  </a:schemeClr>
+                </a:solidFill>
+              </a:rPr>
+              <a:t>If you don’t see a new skill, rerun the </a:t>
+            </a:r>
+            <a:r>
+              <a:rPr lang="en-US" sz="800" b="1" dirty="0">
+                <a:solidFill>
+                  <a:schemeClr val="bg1">
+                    <a:lumMod val="50000"/>
+                  </a:schemeClr>
+                </a:solidFill>
+              </a:rPr>
+              <a:t>bk-install-skills</a:t>
+            </a:r>
+            <a:r>
+              <a:rPr lang="en-US" sz="800" dirty="0">
+                <a:solidFill>
+                  <a:schemeClr val="bg1">
+                    <a:lumMod val="50000"/>
+                  </a:schemeClr>
+                </a:solidFill>
+              </a:rPr>
+              <a:t> script</a:t>
+            </a:r>
+          </a:p>
+          <a:p>
+            <a:pPr marL="114300" indent="-114300">
+              <a:buAutoNum type="arabicPeriod"/>
+            </a:pPr>
+            <a:r>
+              <a:rPr lang="en-US" sz="800" dirty="0">
+                <a:solidFill>
+                  <a:schemeClr val="bg1">
+                    <a:lumMod val="50000"/>
+                  </a:schemeClr>
+                </a:solidFill>
+              </a:rPr>
+              <a:t>Run the &gt;/ide command to install claude on your IDE (</a:t>
+            </a:r>
+            <a:r>
+              <a:rPr lang="en-US" sz="800" dirty="0" err="1">
+                <a:solidFill>
+                  <a:schemeClr val="bg1">
+                    <a:lumMod val="50000"/>
+                  </a:schemeClr>
+                </a:solidFill>
+              </a:rPr>
+              <a:t>VSCode</a:t>
+            </a:r>
+            <a:r>
+              <a:rPr lang="en-US" sz="800" dirty="0">
+                <a:solidFill>
+                  <a:schemeClr val="bg1">
+                    <a:lumMod val="50000"/>
+                  </a:schemeClr>
+                </a:solidFill>
+              </a:rPr>
+              <a:t>)</a:t>
+            </a:r>
+          </a:p>
+          <a:p>
+            <a:pPr marL="114300" indent="-114300">
+              <a:buAutoNum type="arabicPeriod"/>
+            </a:pPr>
+            <a:r>
+              <a:rPr lang="en-US" sz="800" dirty="0">
+                <a:solidFill>
+                  <a:schemeClr val="bg1">
+                    <a:lumMod val="50000"/>
+                  </a:schemeClr>
+                </a:solidFill>
+              </a:rPr>
+              <a:t>Use the &gt; /skill microsim-matcher to match a learning objective with a microsim type</a:t>
+            </a:r>
+          </a:p>
+          <a:p>
+            <a:pPr marL="114300" indent="-114300">
+              <a:buAutoNum type="arabicPeriod"/>
+            </a:pPr>
+            <a:r>
+              <a:rPr lang="en-US" sz="800" dirty="0">
+                <a:solidFill>
+                  <a:schemeClr val="bg1">
+                    <a:lumMod val="50000"/>
+                  </a:schemeClr>
+                </a:solidFill>
+              </a:rPr>
+              <a:t>If your book is always checked into GitHub you can  set up a UNIX command alias claude-danger to add the </a:t>
+            </a:r>
+            <a:r>
+              <a:rPr lang="en-US" sz="800" dirty="0"/>
+              <a:t>--dangerously-skip-permissions</a:t>
+            </a:r>
+          </a:p>
+          <a:p>
+            <a:pPr marL="114300" indent="-114300">
+              <a:buAutoNum type="arabicPeriod"/>
+            </a:pPr>
+            <a:endParaRPr lang="en-US" sz="800" dirty="0"/>
+          </a:p>
+        </p:txBody>
+      </p:sp>
+      <p:sp>
+        <p:nvSpPr>
+          <p:cNvPr id="36" name="TextBox 35">
+            <a:extLst>
+              <a:ext uri="{FF2B5EF4-FFF2-40B4-BE49-F238E27FC236}">
+                <a16:creationId xmlns:a16="http://schemas.microsoft.com/office/drawing/2014/main" id="{D5E6589A-9D3F-67DB-FDFB-8AF36A2C5AD2}"/>
+              </a:ext>
+            </a:extLst>
+          </p:cNvPr>
+          <p:cNvSpPr txBox="1"/>
+          <p:nvPr/>
+        </p:nvSpPr>
+        <p:spPr>
+          <a:xfrm>
+            <a:off x="6285652" y="291254"/>
+            <a:ext cx="1106393" cy="246221"/>
+          </a:xfrm>
+          <a:prstGeom prst="rect">
+            <a:avLst/>
+          </a:prstGeom>
+          <a:noFill/>
+        </p:spPr>
+        <p:txBody>
+          <a:bodyPr wrap="none" rtlCol="0">
+            <a:spAutoFit/>
+          </a:bodyPr>
+          <a:lstStyle/>
+          <a:p>
+            <a:r>
+              <a:rPr lang="en-US" sz="1000" dirty="0">
+                <a:solidFill>
+                  <a:schemeClr val="bg1">
+                    <a:lumMod val="50000"/>
+                  </a:schemeClr>
+                </a:solidFill>
+              </a:rPr>
+              <a:t>v 0.01 12/1/2025</a:t>
             </a:r>
           </a:p>
         </p:txBody>

--- a/slides/Workshop-Cheat-Sheet.pptx
+++ b/slides/Workshop-Cheat-Sheet.pptx
@@ -104,6 +104,11 @@
       </a:defRPr>
     </a:lvl9pPr>
   </p:defaultTextStyle>
+  <p:extLst>
+    <p:ext uri="{EFAFB233-063F-42B5-8137-9DF3F51BA10A}">
+      <p15:sldGuideLst xmlns:p15="http://schemas.microsoft.com/office/powerpoint/2012/main"/>
+    </p:ext>
+  </p:extLst>
 </p:presentation>
 </file>
 
@@ -5116,7 +5121,7 @@
           <a:p>
             <a:r>
               <a:rPr lang="en-US" sz="800" dirty="0"/>
-              <a:t>   4. bk-check-loops                       </a:t>
+              <a:t> 4. bk-check-loops                       </a:t>
             </a:r>
             <a:r>
               <a:rPr lang="en-US" sz="800" dirty="0">
@@ -5132,7 +5137,7 @@
           <a:p>
             <a:r>
               <a:rPr lang="en-US" sz="800" dirty="0"/>
-              <a:t>   5. bk-diagram-reports                </a:t>
+              <a:t> 5. bk-diagram-reports                </a:t>
             </a:r>
             <a:r>
               <a:rPr lang="en-US" sz="800" dirty="0">
@@ -5148,7 +5153,7 @@
           <a:p>
             <a:r>
               <a:rPr lang="en-US" sz="800" dirty="0"/>
-              <a:t>   6. bk-generate-book-metrics  </a:t>
+              <a:t> 6. bk-generate-book-metrics  </a:t>
             </a:r>
             <a:r>
               <a:rPr lang="en-US" sz="800" dirty="0">
@@ -5164,7 +5169,7 @@
           <a:p>
             <a:r>
               <a:rPr lang="en-US" sz="800" dirty="0"/>
-              <a:t>   7. bk-install-scripts                     </a:t>
+              <a:t> 7. bk-install-scripts                     </a:t>
             </a:r>
             <a:r>
               <a:rPr lang="en-US" sz="800" dirty="0">
@@ -5180,7 +5185,7 @@
           <a:p>
             <a:r>
               <a:rPr lang="en-US" sz="800" dirty="0"/>
-              <a:t>   8. bk-install-skills                        </a:t>
+              <a:t> 8. bk-install-skills                        </a:t>
             </a:r>
             <a:r>
               <a:rPr lang="en-US" sz="800" dirty="0">
@@ -5196,7 +5201,7 @@
           <a:p>
             <a:r>
               <a:rPr lang="en-US" sz="800" dirty="0"/>
-              <a:t>   9. bk-install-social-override-plugin   </a:t>
+              <a:t> 9. bk-install-social-override-plugin   </a:t>
             </a:r>
             <a:r>
               <a:rPr lang="en-US" sz="800" dirty="0">
@@ -5232,7 +5237,7 @@
           <a:p>
             <a:r>
               <a:rPr lang="en-US" sz="800" dirty="0"/>
-              <a:t>  10. bk-list-skills                             </a:t>
+              <a:t>10. bk-list-skills                             </a:t>
             </a:r>
             <a:r>
               <a:rPr lang="en-US" sz="800" dirty="0">
@@ -5248,7 +5253,7 @@
           <a:p>
             <a:r>
               <a:rPr lang="en-US" sz="800" dirty="0"/>
-              <a:t>  11. bk-microsim-quality-report-generator </a:t>
+              <a:t>11. bk-microsim-quality-report-generator </a:t>
             </a:r>
             <a:r>
               <a:rPr lang="en-US" sz="800" dirty="0">
@@ -5281,7 +5286,7 @@
           <a:p>
             <a:r>
               <a:rPr lang="en-US" sz="800" dirty="0"/>
-              <a:t>  12. bk-resize-images                    </a:t>
+              <a:t>12. bk-resize-images                    </a:t>
             </a:r>
             <a:r>
               <a:rPr lang="en-US" sz="800" dirty="0">
@@ -5301,7 +5306,7 @@
           <a:p>
             <a:r>
               <a:rPr lang="en-US" sz="800" dirty="0"/>
-              <a:t>  13. bk-status                                    </a:t>
+              <a:t>13. bk-status                                    </a:t>
             </a:r>
             <a:r>
               <a:rPr lang="en-US" sz="800" dirty="0">
